--- a/2021-APS_DPF/MicroBooNE_WireCell_CC_Incl_DPF21_Gu.pptx
+++ b/2021-APS_DPF/MicroBooNE_WireCell_CC_Incl_DPF21_Gu.pptx
@@ -137,14 +137,6 @@
     </p:ext>
   </p:extLst>
 </p:presentation>
-</file>
-
-<file path=ppt/revisionInfo.xml><?xml version="1.0" encoding="utf-8"?>
-<p1510:revInfo xmlns:a="http://schemas.openxmlformats.org/drawingml/2006/main" xmlns:r="http://schemas.openxmlformats.org/officeDocument/2006/relationships" xmlns:p1510="http://schemas.microsoft.com/office/powerpoint/2015/10/main">
-  <p1510:revLst>
-    <p1510:client id="{447394CB-ECBF-4EA2-BA4C-F43E2FD44AB0}" v="891" dt="2021-07-09T20:19:32.621"/>
-  </p1510:revLst>
-</p1510:revInfo>
 </file>
 
 <file path=ppt/changesInfos/changesInfo1.xml><?xml version="1.0" encoding="utf-8"?>
@@ -2342,7 +2334,7 @@
           <a:p>
             <a:fld id="{1B38A66C-AFD4-42FC-BCB5-BA13B965660A}" type="datetimeFigureOut">
               <a:rPr lang="en-US" smtClean="0"/>
-              <a:t>7/9/2021</a:t>
+              <a:t>7/14/2021</a:t>
             </a:fld>
             <a:endParaRPr lang="en-US"/>
           </a:p>
@@ -2519,7 +2511,7 @@
           <a:p>
             <a:fld id="{3E799C6F-87DB-46DE-B015-4CEDDBD2747E}" type="datetimeFigureOut">
               <a:rPr lang="en-US" smtClean="0"/>
-              <a:t>7/9/2021</a:t>
+              <a:t>7/14/2021</a:t>
             </a:fld>
             <a:endParaRPr lang="en-US"/>
           </a:p>
@@ -8004,7 +7996,7 @@
             </a:pPr>
             <a:r>
               <a:rPr lang="en-US" dirty="0"/>
-              <a:t>Wenqiang Gu (BNL)</a:t>
+              <a:t>Wenqiang Gu (BNL) *</a:t>
             </a:r>
           </a:p>
           <a:p>
@@ -8015,15 +8007,7 @@
             </a:pPr>
             <a:r>
               <a:rPr lang="en-US" dirty="0"/>
-              <a:t>On behalf of the </a:t>
-            </a:r>
-            <a:r>
-              <a:rPr lang="en-US" dirty="0" err="1"/>
-              <a:t>MicroBooNE</a:t>
-            </a:r>
-            <a:r>
-              <a:rPr lang="en-US" dirty="0"/>
-              <a:t> collaboration</a:t>
+              <a:t>On behalf of the MicroBooNE collaboration</a:t>
             </a:r>
           </a:p>
           <a:p>
@@ -8082,6 +8066,46 @@
           <a:p>
             <a:pPr algn="ctr"/>
             <a:endParaRPr lang="en-US"/>
+          </a:p>
+        </p:txBody>
+      </p:sp>
+      <p:sp>
+        <p:nvSpPr>
+          <p:cNvPr id="6" name="TextBox 5">
+            <a:extLst>
+              <a:ext uri="{FF2B5EF4-FFF2-40B4-BE49-F238E27FC236}">
+                <a16:creationId xmlns:a16="http://schemas.microsoft.com/office/drawing/2014/main" id="{D00CBA9B-C5FC-46A6-A332-E37A4A9F9B64}"/>
+              </a:ext>
+            </a:extLst>
+          </p:cNvPr>
+          <p:cNvSpPr txBox="1"/>
+          <p:nvPr/>
+        </p:nvSpPr>
+        <p:spPr>
+          <a:xfrm>
+            <a:off x="111443" y="6432768"/>
+            <a:ext cx="6097904" cy="348813"/>
+          </a:xfrm>
+          <a:prstGeom prst="rect">
+            <a:avLst/>
+          </a:prstGeom>
+          <a:noFill/>
+        </p:spPr>
+        <p:txBody>
+          <a:bodyPr wrap="square">
+            <a:spAutoFit/>
+          </a:bodyPr>
+          <a:lstStyle/>
+          <a:p>
+            <a:pPr>
+              <a:lnSpc>
+                <a:spcPts val="2000"/>
+              </a:lnSpc>
+            </a:pPr>
+            <a:r>
+              <a:rPr lang="en-US" dirty="0"/>
+              <a:t>* E-mail: wenqiang.gu.1@gmail.com</a:t>
+            </a:r>
           </a:p>
         </p:txBody>
       </p:sp>
@@ -8654,8 +8678,8 @@
           </p:sp>
         </mc:Fallback>
       </mc:AlternateContent>
-      <mc:AlternateContent xmlns:mc="http://schemas.openxmlformats.org/markup-compatibility/2006">
-        <mc:Choice xmlns:a14="http://schemas.microsoft.com/office/drawing/2010/main" Requires="a14">
+      <mc:AlternateContent xmlns:mc="http://schemas.openxmlformats.org/markup-compatibility/2006" xmlns:a14="http://schemas.microsoft.com/office/drawing/2010/main">
+        <mc:Choice Requires="a14">
           <p:sp>
             <p:nvSpPr>
               <p:cNvPr id="16" name="Rectangle 15">
@@ -8994,7 +9018,7 @@
             </p:txBody>
           </p:sp>
         </mc:Choice>
-        <mc:Fallback>
+        <mc:Fallback xmlns="">
           <p:sp>
             <p:nvSpPr>
               <p:cNvPr id="16" name="Rectangle 15">
@@ -9647,8 +9671,8 @@
           </a:p>
         </p:txBody>
       </p:sp>
-      <mc:AlternateContent xmlns:mc="http://schemas.openxmlformats.org/markup-compatibility/2006">
-        <mc:Choice xmlns:a14="http://schemas.microsoft.com/office/drawing/2010/main" Requires="a14">
+      <mc:AlternateContent xmlns:mc="http://schemas.openxmlformats.org/markup-compatibility/2006" xmlns:a14="http://schemas.microsoft.com/office/drawing/2010/main">
+        <mc:Choice Requires="a14">
           <p:sp>
             <p:nvSpPr>
               <p:cNvPr id="20" name="Rectangle 19"/>
@@ -9912,7 +9936,7 @@
             </p:txBody>
           </p:sp>
         </mc:Choice>
-        <mc:Fallback>
+        <mc:Fallback xmlns="">
           <p:sp>
             <p:nvSpPr>
               <p:cNvPr id="20" name="Rectangle 19"/>
@@ -10276,8 +10300,8 @@
           </a:p>
         </p:txBody>
       </p:sp>
-      <mc:AlternateContent xmlns:mc="http://schemas.openxmlformats.org/markup-compatibility/2006">
-        <mc:Choice xmlns:a14="http://schemas.microsoft.com/office/drawing/2010/main" Requires="a14">
+      <mc:AlternateContent xmlns:mc="http://schemas.openxmlformats.org/markup-compatibility/2006" xmlns:a14="http://schemas.microsoft.com/office/drawing/2010/main">
+        <mc:Choice Requires="a14">
           <p:sp>
             <p:nvSpPr>
               <p:cNvPr id="39" name="TextBox 38">
@@ -10468,7 +10492,7 @@
             </p:txBody>
           </p:sp>
         </mc:Choice>
-        <mc:Fallback>
+        <mc:Fallback xmlns="">
           <p:sp>
             <p:nvSpPr>
               <p:cNvPr id="39" name="TextBox 38">
@@ -10518,8 +10542,8 @@
           </p:sp>
         </mc:Fallback>
       </mc:AlternateContent>
-      <mc:AlternateContent xmlns:mc="http://schemas.openxmlformats.org/markup-compatibility/2006">
-        <mc:Choice xmlns:a14="http://schemas.microsoft.com/office/drawing/2010/main" Requires="a14">
+      <mc:AlternateContent xmlns:mc="http://schemas.openxmlformats.org/markup-compatibility/2006" xmlns:a14="http://schemas.microsoft.com/office/drawing/2010/main">
+        <mc:Choice Requires="a14">
           <p:sp>
             <p:nvSpPr>
               <p:cNvPr id="41" name="TextBox 40">
@@ -11579,7 +11603,7 @@
             </p:txBody>
           </p:sp>
         </mc:Choice>
-        <mc:Fallback>
+        <mc:Fallback xmlns="">
           <p:sp>
             <p:nvSpPr>
               <p:cNvPr id="41" name="TextBox 40">
@@ -11624,8 +11648,8 @@
           </p:sp>
         </mc:Fallback>
       </mc:AlternateContent>
-      <mc:AlternateContent xmlns:mc="http://schemas.openxmlformats.org/markup-compatibility/2006">
-        <mc:Choice xmlns:a14="http://schemas.microsoft.com/office/drawing/2010/main" Requires="a14">
+      <mc:AlternateContent xmlns:mc="http://schemas.openxmlformats.org/markup-compatibility/2006" xmlns:a14="http://schemas.microsoft.com/office/drawing/2010/main">
+        <mc:Choice Requires="a14">
           <p:sp>
             <p:nvSpPr>
               <p:cNvPr id="42" name="TextBox 41">
@@ -11963,7 +11987,7 @@
             </p:txBody>
           </p:sp>
         </mc:Choice>
-        <mc:Fallback>
+        <mc:Fallback xmlns="">
           <p:sp>
             <p:nvSpPr>
               <p:cNvPr id="42" name="TextBox 41">
@@ -12008,8 +12032,8 @@
           </p:sp>
         </mc:Fallback>
       </mc:AlternateContent>
-      <mc:AlternateContent xmlns:mc="http://schemas.openxmlformats.org/markup-compatibility/2006">
-        <mc:Choice xmlns:a14="http://schemas.microsoft.com/office/drawing/2010/main" Requires="a14">
+      <mc:AlternateContent xmlns:mc="http://schemas.openxmlformats.org/markup-compatibility/2006" xmlns:a14="http://schemas.microsoft.com/office/drawing/2010/main">
+        <mc:Choice Requires="a14">
           <p:sp>
             <p:nvSpPr>
               <p:cNvPr id="43" name="TextBox 42">
@@ -12215,7 +12239,7 @@
             </p:txBody>
           </p:sp>
         </mc:Choice>
-        <mc:Fallback>
+        <mc:Fallback xmlns="">
           <p:sp>
             <p:nvSpPr>
               <p:cNvPr id="43" name="TextBox 42">
@@ -12314,8 +12338,8 @@
           </a:p>
         </p:txBody>
       </p:sp>
-      <mc:AlternateContent xmlns:mc="http://schemas.openxmlformats.org/markup-compatibility/2006">
-        <mc:Choice xmlns:a14="http://schemas.microsoft.com/office/drawing/2010/main" Requires="a14">
+      <mc:AlternateContent xmlns:mc="http://schemas.openxmlformats.org/markup-compatibility/2006" xmlns:a14="http://schemas.microsoft.com/office/drawing/2010/main">
+        <mc:Choice Requires="a14">
           <p:sp>
             <p:nvSpPr>
               <p:cNvPr id="29" name="TextBox 28">
@@ -12571,7 +12595,7 @@
             </p:txBody>
           </p:sp>
         </mc:Choice>
-        <mc:Fallback>
+        <mc:Fallback xmlns="">
           <p:sp>
             <p:nvSpPr>
               <p:cNvPr id="29" name="TextBox 28">
@@ -12616,8 +12640,8 @@
           </p:sp>
         </mc:Fallback>
       </mc:AlternateContent>
-      <mc:AlternateContent xmlns:mc="http://schemas.openxmlformats.org/markup-compatibility/2006">
-        <mc:Choice xmlns:a14="http://schemas.microsoft.com/office/drawing/2010/main" Requires="a14">
+      <mc:AlternateContent xmlns:mc="http://schemas.openxmlformats.org/markup-compatibility/2006" xmlns:a14="http://schemas.microsoft.com/office/drawing/2010/main">
+        <mc:Choice Requires="a14">
           <p:sp>
             <p:nvSpPr>
               <p:cNvPr id="30" name="TextBox 29">
@@ -13215,7 +13239,7 @@
             </p:txBody>
           </p:sp>
         </mc:Choice>
-        <mc:Fallback>
+        <mc:Fallback xmlns="">
           <p:sp>
             <p:nvSpPr>
               <p:cNvPr id="30" name="TextBox 29">
@@ -14568,8 +14592,8 @@
           </a:p>
         </p:txBody>
       </p:sp>
-      <mc:AlternateContent xmlns:mc="http://schemas.openxmlformats.org/markup-compatibility/2006">
-        <mc:Choice xmlns:a14="http://schemas.microsoft.com/office/drawing/2010/main" Requires="a14">
+      <mc:AlternateContent xmlns:mc="http://schemas.openxmlformats.org/markup-compatibility/2006" xmlns:a14="http://schemas.microsoft.com/office/drawing/2010/main">
+        <mc:Choice Requires="a14">
           <p:sp>
             <p:nvSpPr>
               <p:cNvPr id="36" name="TextBox 35">
@@ -14648,7 +14672,7 @@
             </p:txBody>
           </p:sp>
         </mc:Choice>
-        <mc:Fallback>
+        <mc:Fallback xmlns="">
           <p:sp>
             <p:nvSpPr>
               <p:cNvPr id="36" name="TextBox 35">
@@ -15525,8 +15549,8 @@
           </a:p>
         </p:txBody>
       </p:sp>
-      <mc:AlternateContent xmlns:mc="http://schemas.openxmlformats.org/markup-compatibility/2006">
-        <mc:Choice xmlns:a14="http://schemas.microsoft.com/office/drawing/2010/main" Requires="a14">
+      <mc:AlternateContent xmlns:mc="http://schemas.openxmlformats.org/markup-compatibility/2006" xmlns:a14="http://schemas.microsoft.com/office/drawing/2010/main">
+        <mc:Choice Requires="a14">
           <p:sp>
             <p:nvSpPr>
               <p:cNvPr id="31" name="TextBox 30"/>
@@ -15852,7 +15876,7 @@
             </p:txBody>
           </p:sp>
         </mc:Choice>
-        <mc:Fallback>
+        <mc:Fallback xmlns="">
           <p:sp>
             <p:nvSpPr>
               <p:cNvPr id="31" name="TextBox 30"/>
@@ -15949,8 +15973,8 @@
           </a:p>
         </p:txBody>
       </p:sp>
-      <mc:AlternateContent xmlns:mc="http://schemas.openxmlformats.org/markup-compatibility/2006">
-        <mc:Choice xmlns:a14="http://schemas.microsoft.com/office/drawing/2010/main" Requires="a14">
+      <mc:AlternateContent xmlns:mc="http://schemas.openxmlformats.org/markup-compatibility/2006" xmlns:a14="http://schemas.microsoft.com/office/drawing/2010/main">
+        <mc:Choice Requires="a14">
           <p:sp>
             <p:nvSpPr>
               <p:cNvPr id="3" name="Content Placeholder 2">
@@ -16148,7 +16172,7 @@
             </p:txBody>
           </p:sp>
         </mc:Choice>
-        <mc:Fallback>
+        <mc:Fallback xmlns="">
           <p:sp>
             <p:nvSpPr>
               <p:cNvPr id="3" name="Content Placeholder 2">
@@ -21511,8 +21535,8 @@
           </p:sp>
         </mc:Fallback>
       </mc:AlternateContent>
-      <mc:AlternateContent xmlns:mc="http://schemas.openxmlformats.org/markup-compatibility/2006">
-        <mc:Choice xmlns:a14="http://schemas.microsoft.com/office/drawing/2010/main" Requires="a14">
+      <mc:AlternateContent xmlns:mc="http://schemas.openxmlformats.org/markup-compatibility/2006" xmlns:a14="http://schemas.microsoft.com/office/drawing/2010/main">
+        <mc:Choice Requires="a14">
           <p:sp>
             <p:nvSpPr>
               <p:cNvPr id="3" name="Content Placeholder 2">
@@ -21657,7 +21681,7 @@
             </p:txBody>
           </p:sp>
         </mc:Choice>
-        <mc:Fallback>
+        <mc:Fallback xmlns="">
           <p:sp>
             <p:nvSpPr>
               <p:cNvPr id="3" name="Content Placeholder 2">
@@ -23973,8 +23997,8 @@
           </a:p>
         </p:txBody>
       </p:sp>
-      <mc:AlternateContent xmlns:mc="http://schemas.openxmlformats.org/markup-compatibility/2006">
-        <mc:Choice xmlns:a14="http://schemas.microsoft.com/office/drawing/2010/main" Requires="a14">
+      <mc:AlternateContent xmlns:mc="http://schemas.openxmlformats.org/markup-compatibility/2006" xmlns:a14="http://schemas.microsoft.com/office/drawing/2010/main">
+        <mc:Choice Requires="a14">
           <p:sp>
             <p:nvSpPr>
               <p:cNvPr id="9" name="TextBox 8">
@@ -24219,7 +24243,7 @@
             </p:txBody>
           </p:sp>
         </mc:Choice>
-        <mc:Fallback>
+        <mc:Fallback xmlns="">
           <p:sp>
             <p:nvSpPr>
               <p:cNvPr id="9" name="TextBox 8">
@@ -24311,8 +24335,8 @@
           </a:extLst>
         </p:spPr>
       </p:pic>
-      <mc:AlternateContent xmlns:mc="http://schemas.openxmlformats.org/markup-compatibility/2006">
-        <mc:Choice xmlns:a14="http://schemas.microsoft.com/office/drawing/2010/main" Requires="a14">
+      <mc:AlternateContent xmlns:mc="http://schemas.openxmlformats.org/markup-compatibility/2006" xmlns:a14="http://schemas.microsoft.com/office/drawing/2010/main">
+        <mc:Choice Requires="a14">
           <p:sp>
             <p:nvSpPr>
               <p:cNvPr id="16" name="TextBox 15">
@@ -24390,7 +24414,7 @@
             </p:txBody>
           </p:sp>
         </mc:Choice>
-        <mc:Fallback>
+        <mc:Fallback xmlns="">
           <p:sp>
             <p:nvSpPr>
               <p:cNvPr id="16" name="TextBox 15">
@@ -24435,8 +24459,8 @@
           </p:sp>
         </mc:Fallback>
       </mc:AlternateContent>
-      <mc:AlternateContent xmlns:mc="http://schemas.openxmlformats.org/markup-compatibility/2006">
-        <mc:Choice xmlns:a14="http://schemas.microsoft.com/office/drawing/2010/main" Requires="a14">
+      <mc:AlternateContent xmlns:mc="http://schemas.openxmlformats.org/markup-compatibility/2006" xmlns:a14="http://schemas.microsoft.com/office/drawing/2010/main">
+        <mc:Choice Requires="a14">
           <p:sp>
             <p:nvSpPr>
               <p:cNvPr id="17" name="TextBox 16">
@@ -24532,7 +24556,7 @@
             </p:txBody>
           </p:sp>
         </mc:Choice>
-        <mc:Fallback>
+        <mc:Fallback xmlns="">
           <p:sp>
             <p:nvSpPr>
               <p:cNvPr id="17" name="TextBox 16">
@@ -29056,8 +29080,8 @@
           </p:style>
         </p:cxnSp>
       </p:grpSp>
-      <mc:AlternateContent xmlns:mc="http://schemas.openxmlformats.org/markup-compatibility/2006">
-        <mc:Choice xmlns:a14="http://schemas.microsoft.com/office/drawing/2010/main" Requires="a14">
+      <mc:AlternateContent xmlns:mc="http://schemas.openxmlformats.org/markup-compatibility/2006" xmlns:a14="http://schemas.microsoft.com/office/drawing/2010/main">
+        <mc:Choice Requires="a14">
           <p:sp>
             <p:nvSpPr>
               <p:cNvPr id="29" name="TextBox 28">
@@ -29136,7 +29160,7 @@
             </p:txBody>
           </p:sp>
         </mc:Choice>
-        <mc:Fallback>
+        <mc:Fallback xmlns="">
           <p:sp>
             <p:nvSpPr>
               <p:cNvPr id="29" name="TextBox 28">
